--- a/confirming-data-insights-slides.pptx
+++ b/confirming-data-insights-slides.pptx
@@ -233,7 +233,7 @@
           <a:p>
             <a:fld id="{05534BD0-1400-4EBA-BBA1-04F52AB31B36}" type="datetimeFigureOut">
               <a:rPr lang="en-US" smtClean="0"/>
-              <a:t>8/19/2023</a:t>
+              <a:t>8/20/2023</a:t>
             </a:fld>
             <a:endParaRPr lang="en-US"/>
           </a:p>
@@ -1067,7 +1067,7 @@
           <a:p>
             <a:fld id="{0138B082-EFC2-46C1-B47C-51736C670379}" type="datetimeFigureOut">
               <a:rPr lang="en-US" smtClean="0"/>
-              <a:t>8/19/2023</a:t>
+              <a:t>8/20/2023</a:t>
             </a:fld>
             <a:endParaRPr lang="en-US"/>
           </a:p>
@@ -1235,7 +1235,7 @@
           <a:p>
             <a:fld id="{0138B082-EFC2-46C1-B47C-51736C670379}" type="datetimeFigureOut">
               <a:rPr lang="en-US" smtClean="0"/>
-              <a:t>8/19/2023</a:t>
+              <a:t>8/20/2023</a:t>
             </a:fld>
             <a:endParaRPr lang="en-US"/>
           </a:p>
@@ -1413,7 +1413,7 @@
           <a:p>
             <a:fld id="{0138B082-EFC2-46C1-B47C-51736C670379}" type="datetimeFigureOut">
               <a:rPr lang="en-US" smtClean="0"/>
-              <a:t>8/19/2023</a:t>
+              <a:t>8/20/2023</a:t>
             </a:fld>
             <a:endParaRPr lang="en-US"/>
           </a:p>
@@ -1581,7 +1581,7 @@
           <a:p>
             <a:fld id="{0138B082-EFC2-46C1-B47C-51736C670379}" type="datetimeFigureOut">
               <a:rPr lang="en-US" smtClean="0"/>
-              <a:t>8/19/2023</a:t>
+              <a:t>8/20/2023</a:t>
             </a:fld>
             <a:endParaRPr lang="en-US"/>
           </a:p>
@@ -1826,7 +1826,7 @@
           <a:p>
             <a:fld id="{0138B082-EFC2-46C1-B47C-51736C670379}" type="datetimeFigureOut">
               <a:rPr lang="en-US" smtClean="0"/>
-              <a:t>8/19/2023</a:t>
+              <a:t>8/20/2023</a:t>
             </a:fld>
             <a:endParaRPr lang="en-US"/>
           </a:p>
@@ -2055,7 +2055,7 @@
           <a:p>
             <a:fld id="{0138B082-EFC2-46C1-B47C-51736C670379}" type="datetimeFigureOut">
               <a:rPr lang="en-US" smtClean="0"/>
-              <a:t>8/19/2023</a:t>
+              <a:t>8/20/2023</a:t>
             </a:fld>
             <a:endParaRPr lang="en-US"/>
           </a:p>
@@ -2419,7 +2419,7 @@
           <a:p>
             <a:fld id="{0138B082-EFC2-46C1-B47C-51736C670379}" type="datetimeFigureOut">
               <a:rPr lang="en-US" smtClean="0"/>
-              <a:t>8/19/2023</a:t>
+              <a:t>8/20/2023</a:t>
             </a:fld>
             <a:endParaRPr lang="en-US"/>
           </a:p>
@@ -2536,7 +2536,7 @@
           <a:p>
             <a:fld id="{0138B082-EFC2-46C1-B47C-51736C670379}" type="datetimeFigureOut">
               <a:rPr lang="en-US" smtClean="0"/>
-              <a:t>8/19/2023</a:t>
+              <a:t>8/20/2023</a:t>
             </a:fld>
             <a:endParaRPr lang="en-US"/>
           </a:p>
@@ -2631,7 +2631,7 @@
           <a:p>
             <a:fld id="{0138B082-EFC2-46C1-B47C-51736C670379}" type="datetimeFigureOut">
               <a:rPr lang="en-US" smtClean="0"/>
-              <a:t>8/19/2023</a:t>
+              <a:t>8/20/2023</a:t>
             </a:fld>
             <a:endParaRPr lang="en-US"/>
           </a:p>
@@ -2906,7 +2906,7 @@
           <a:p>
             <a:fld id="{0138B082-EFC2-46C1-B47C-51736C670379}" type="datetimeFigureOut">
               <a:rPr lang="en-US" smtClean="0"/>
-              <a:t>8/19/2023</a:t>
+              <a:t>8/20/2023</a:t>
             </a:fld>
             <a:endParaRPr lang="en-US"/>
           </a:p>
@@ -3158,7 +3158,7 @@
           <a:p>
             <a:fld id="{0138B082-EFC2-46C1-B47C-51736C670379}" type="datetimeFigureOut">
               <a:rPr lang="en-US" smtClean="0"/>
-              <a:t>8/19/2023</a:t>
+              <a:t>8/20/2023</a:t>
             </a:fld>
             <a:endParaRPr lang="en-US"/>
           </a:p>
@@ -3372,7 +3372,7 @@
           <a:p>
             <a:fld id="{0138B082-EFC2-46C1-B47C-51736C670379}" type="datetimeFigureOut">
               <a:rPr lang="en-US" smtClean="0"/>
-              <a:t>8/19/2023</a:t>
+              <a:t>8/20/2023</a:t>
             </a:fld>
             <a:endParaRPr lang="en-US"/>
           </a:p>
@@ -3906,6 +3906,42 @@
           </a:prstGeom>
         </p:spPr>
       </p:pic>
+      <p:pic>
+        <p:nvPicPr>
+          <p:cNvPr id="5" name="Picture 4" descr="A close-up of a graph&#10;&#10;Description automatically generated">
+            <a:extLst>
+              <a:ext uri="{FF2B5EF4-FFF2-40B4-BE49-F238E27FC236}">
+                <a16:creationId xmlns:a16="http://schemas.microsoft.com/office/drawing/2014/main" id="{F665B1E7-11D1-5BEA-82A5-52FA23A28A0A}"/>
+              </a:ext>
+            </a:extLst>
+          </p:cNvPr>
+          <p:cNvPicPr>
+            <a:picLocks noChangeAspect="1"/>
+          </p:cNvPicPr>
+          <p:nvPr/>
+        </p:nvPicPr>
+        <p:blipFill>
+          <a:blip r:embed="rId5">
+            <a:extLst>
+              <a:ext uri="{28A0092B-C50C-407E-A947-70E740481C1C}">
+                <a14:useLocalDpi xmlns:a14="http://schemas.microsoft.com/office/drawing/2010/main" val="0"/>
+              </a:ext>
+            </a:extLst>
+          </a:blip>
+          <a:stretch>
+            <a:fillRect/>
+          </a:stretch>
+        </p:blipFill>
+        <p:spPr>
+          <a:xfrm>
+            <a:off x="762" y="143285"/>
+            <a:ext cx="12190476" cy="6571429"/>
+          </a:xfrm>
+          <a:prstGeom prst="rect">
+            <a:avLst/>
+          </a:prstGeom>
+        </p:spPr>
+      </p:pic>
     </p:spTree>
     <p:extLst>
       <p:ext uri="{BB962C8B-B14F-4D97-AF65-F5344CB8AC3E}">
@@ -6435,7 +6471,7 @@
         <p:spPr>
           <a:xfrm>
             <a:off x="347240" y="2127965"/>
-            <a:ext cx="9595413" cy="1815882"/>
+            <a:ext cx="9595413" cy="1384995"/>
           </a:xfrm>
           <a:prstGeom prst="rect">
             <a:avLst/>
@@ -6456,22 +6492,13 @@
               <a:buChar char="•"/>
             </a:pPr>
             <a:r>
-              <a:rPr lang="en-US" sz="2800" dirty="0" err="1">
-                <a:solidFill>
-                  <a:srgbClr val="707070"/>
-                </a:solidFill>
-                <a:latin typeface="Pragmatica" panose="020B0403040502020204" pitchFamily="34" charset="0"/>
-              </a:rPr>
-              <a:t>H﻿ow</a:t>
-            </a:r>
-            <a:r>
               <a:rPr lang="en-US" sz="2800" dirty="0">
                 <a:solidFill>
                   <a:srgbClr val="707070"/>
                 </a:solidFill>
                 <a:latin typeface="Pragmatica" panose="020B0403040502020204" pitchFamily="34" charset="0"/>
               </a:rPr>
-              <a:t> to structure your data to get the most from PivotTables</a:t>
+              <a:t>Understanding the importance of sample size</a:t>
             </a:r>
           </a:p>
           <a:p>
@@ -6483,22 +6510,13 @@
               <a:buChar char="•"/>
             </a:pPr>
             <a:r>
-              <a:rPr lang="en-US" sz="2800" dirty="0" err="1">
-                <a:solidFill>
-                  <a:srgbClr val="707070"/>
-                </a:solidFill>
-                <a:latin typeface="Pragmatica" panose="020B0403040502020204" pitchFamily="34" charset="0"/>
-              </a:rPr>
-              <a:t>H﻿ow</a:t>
-            </a:r>
-            <a:r>
               <a:rPr lang="en-US" sz="2800" dirty="0">
                 <a:solidFill>
                   <a:srgbClr val="707070"/>
                 </a:solidFill>
                 <a:latin typeface="Pragmatica" panose="020B0403040502020204" pitchFamily="34" charset="0"/>
               </a:rPr>
-              <a:t> to create and maintain your first PivotTable connection</a:t>
+              <a:t>Checking for statistical significance in A/B testing</a:t>
             </a:r>
           </a:p>
           <a:p>
@@ -6516,7 +6534,7 @@
                 </a:solidFill>
                 <a:latin typeface="Pragmatica" panose="020B0403040502020204" pitchFamily="34" charset="0"/>
               </a:rPr>
-              <a:t>How to build compelling tables and reports using PivotTable basics </a:t>
+              <a:t>Getting started with correlation &amp; regression </a:t>
             </a:r>
           </a:p>
         </p:txBody>
@@ -6648,16 +6666,16 @@
               <a:buChar char="•"/>
             </a:pPr>
             <a:r>
-              <a:rPr lang="en-US" sz="2800" dirty="0">
+              <a:rPr lang="en-US" sz="2800">
                 <a:solidFill>
                   <a:srgbClr val="707070"/>
                 </a:solidFill>
                 <a:latin typeface="Pragmatica" panose="020B0403040502020204" pitchFamily="34" charset="0"/>
                 <a:hlinkClick r:id="rId2"/>
               </a:rPr>
-              <a:t>https://swiy.co/ptdl</a:t>
-            </a:r>
-            <a:endParaRPr lang="en-US" sz="2800" dirty="0">
+              <a:t>https://swiy.co/FW63</a:t>
+            </a:r>
+            <a:endParaRPr lang="en-US" sz="2800">
               <a:solidFill>
                 <a:srgbClr val="707070"/>
               </a:solidFill>
@@ -6673,13 +6691,22 @@
               <a:buChar char="•"/>
             </a:pPr>
             <a:r>
+              <a:rPr lang="en-US" sz="2800">
+                <a:solidFill>
+                  <a:srgbClr val="707070"/>
+                </a:solidFill>
+                <a:latin typeface="Pragmatica" panose="020B0403040502020204" pitchFamily="34" charset="0"/>
+              </a:rPr>
+              <a:t>Feel </a:t>
+            </a:r>
+            <a:r>
               <a:rPr lang="en-US" sz="2800" dirty="0">
                 <a:solidFill>
                   <a:srgbClr val="707070"/>
                 </a:solidFill>
                 <a:latin typeface="Pragmatica" panose="020B0403040502020204" pitchFamily="34" charset="0"/>
               </a:rPr>
-              <a:t>Feel free to share to latecomers</a:t>
+              <a:t>free to share to latecomers</a:t>
             </a:r>
           </a:p>
           <a:p>
